--- a/Opening Turkish Restaurant in Bucharest.pptx
+++ b/Opening Turkish Restaurant in Bucharest.pptx
@@ -233,7 +233,8 @@
           <a:p>
             <a:fld id="{B7D2B558-316D-45C5-ACC2-53B1F452AE4E}" type="datetimeFigureOut">
               <a:rPr lang="en-US" smtClean="0"/>
-              <a:t>11/1/2019</a:t>
+              <a:pPr/>
+              <a:t>9/3/2020</a:t>
             </a:fld>
             <a:endParaRPr lang="en-US"/>
           </a:p>
@@ -326,6 +327,7 @@
           <a:p>
             <a:fld id="{2F9A729D-0016-46CF-A20F-711E065FB886}" type="slidenum">
               <a:rPr lang="en-US" smtClean="0"/>
+              <a:pPr/>
               <a:t>‹#›</a:t>
             </a:fld>
             <a:endParaRPr lang="en-US"/>
@@ -335,7 +337,7 @@
     </p:spTree>
     <p:extLst>
       <p:ext uri="{BB962C8B-B14F-4D97-AF65-F5344CB8AC3E}">
-        <p14:creationId xmlns:p14="http://schemas.microsoft.com/office/powerpoint/2010/main" val="3805981994"/>
+        <p14:creationId xmlns:p14="http://schemas.microsoft.com/office/powerpoint/2010/main" xmlns="" val="3805981994"/>
       </p:ext>
     </p:extLst>
   </p:cSld>
@@ -442,7 +444,8 @@
           <a:p>
             <a:fld id="{1BD00A6B-6F3F-44F9-966C-75278A47756E}" type="datetimeFigureOut">
               <a:rPr lang="en-US" smtClean="0"/>
-              <a:t>11/1/2019</a:t>
+              <a:pPr/>
+              <a:t>9/3/2020</a:t>
             </a:fld>
             <a:endParaRPr lang="en-US"/>
           </a:p>
@@ -617,6 +620,7 @@
           <a:p>
             <a:fld id="{83939CE7-A0A9-48A5-99FE-281A2F8BF871}" type="slidenum">
               <a:rPr lang="en-US" smtClean="0"/>
+              <a:pPr/>
               <a:t>‹#›</a:t>
             </a:fld>
             <a:endParaRPr lang="en-US"/>
@@ -626,7 +630,7 @@
     </p:spTree>
     <p:extLst>
       <p:ext uri="{BB962C8B-B14F-4D97-AF65-F5344CB8AC3E}">
-        <p14:creationId xmlns:p14="http://schemas.microsoft.com/office/powerpoint/2010/main" val="1401779190"/>
+        <p14:creationId xmlns:p14="http://schemas.microsoft.com/office/powerpoint/2010/main" xmlns="" val="1401779190"/>
       </p:ext>
     </p:extLst>
   </p:cSld>
@@ -852,6 +856,7 @@
           <a:p>
             <a:fld id="{83939CE7-A0A9-48A5-99FE-281A2F8BF871}" type="slidenum">
               <a:rPr lang="en-US" smtClean="0"/>
+              <a:pPr/>
               <a:t>1</a:t>
             </a:fld>
             <a:endParaRPr lang="en-US"/>
@@ -861,7 +866,7 @@
     </p:spTree>
     <p:extLst>
       <p:ext uri="{BB962C8B-B14F-4D97-AF65-F5344CB8AC3E}">
-        <p14:creationId xmlns:p14="http://schemas.microsoft.com/office/powerpoint/2010/main" val="1855701637"/>
+        <p14:creationId xmlns:p14="http://schemas.microsoft.com/office/powerpoint/2010/main" xmlns="" val="1855701637"/>
       </p:ext>
     </p:extLst>
   </p:cSld>
@@ -996,6 +1001,7 @@
           <a:p>
             <a:fld id="{83939CE7-A0A9-48A5-99FE-281A2F8BF871}" type="slidenum">
               <a:rPr lang="en-US" smtClean="0"/>
+              <a:pPr/>
               <a:t>10</a:t>
             </a:fld>
             <a:endParaRPr lang="en-US"/>
@@ -1005,7 +1011,7 @@
     </p:spTree>
     <p:extLst>
       <p:ext uri="{BB962C8B-B14F-4D97-AF65-F5344CB8AC3E}">
-        <p14:creationId xmlns:p14="http://schemas.microsoft.com/office/powerpoint/2010/main" val="3924265664"/>
+        <p14:creationId xmlns:p14="http://schemas.microsoft.com/office/powerpoint/2010/main" xmlns="" val="3924265664"/>
       </p:ext>
     </p:extLst>
   </p:cSld>
@@ -1140,6 +1146,7 @@
           <a:p>
             <a:fld id="{83939CE7-A0A9-48A5-99FE-281A2F8BF871}" type="slidenum">
               <a:rPr lang="en-US" smtClean="0"/>
+              <a:pPr/>
               <a:t>11</a:t>
             </a:fld>
             <a:endParaRPr lang="en-US"/>
@@ -1149,7 +1156,7 @@
     </p:spTree>
     <p:extLst>
       <p:ext uri="{BB962C8B-B14F-4D97-AF65-F5344CB8AC3E}">
-        <p14:creationId xmlns:p14="http://schemas.microsoft.com/office/powerpoint/2010/main" val="1488180849"/>
+        <p14:creationId xmlns:p14="http://schemas.microsoft.com/office/powerpoint/2010/main" xmlns="" val="1488180849"/>
       </p:ext>
     </p:extLst>
   </p:cSld>
@@ -1284,6 +1291,7 @@
           <a:p>
             <a:fld id="{83939CE7-A0A9-48A5-99FE-281A2F8BF871}" type="slidenum">
               <a:rPr lang="en-US" smtClean="0"/>
+              <a:pPr/>
               <a:t>12</a:t>
             </a:fld>
             <a:endParaRPr lang="en-US"/>
@@ -1293,7 +1301,7 @@
     </p:spTree>
     <p:extLst>
       <p:ext uri="{BB962C8B-B14F-4D97-AF65-F5344CB8AC3E}">
-        <p14:creationId xmlns:p14="http://schemas.microsoft.com/office/powerpoint/2010/main" val="1160951315"/>
+        <p14:creationId xmlns:p14="http://schemas.microsoft.com/office/powerpoint/2010/main" xmlns="" val="1160951315"/>
       </p:ext>
     </p:extLst>
   </p:cSld>
@@ -1428,6 +1436,7 @@
           <a:p>
             <a:fld id="{83939CE7-A0A9-48A5-99FE-281A2F8BF871}" type="slidenum">
               <a:rPr lang="en-US" smtClean="0"/>
+              <a:pPr/>
               <a:t>2</a:t>
             </a:fld>
             <a:endParaRPr lang="en-US"/>
@@ -1437,7 +1446,7 @@
     </p:spTree>
     <p:extLst>
       <p:ext uri="{BB962C8B-B14F-4D97-AF65-F5344CB8AC3E}">
-        <p14:creationId xmlns:p14="http://schemas.microsoft.com/office/powerpoint/2010/main" val="2085396506"/>
+        <p14:creationId xmlns:p14="http://schemas.microsoft.com/office/powerpoint/2010/main" xmlns="" val="2085396506"/>
       </p:ext>
     </p:extLst>
   </p:cSld>
@@ -1572,6 +1581,7 @@
           <a:p>
             <a:fld id="{83939CE7-A0A9-48A5-99FE-281A2F8BF871}" type="slidenum">
               <a:rPr lang="en-US" smtClean="0"/>
+              <a:pPr/>
               <a:t>3</a:t>
             </a:fld>
             <a:endParaRPr lang="en-US"/>
@@ -1581,7 +1591,7 @@
     </p:spTree>
     <p:extLst>
       <p:ext uri="{BB962C8B-B14F-4D97-AF65-F5344CB8AC3E}">
-        <p14:creationId xmlns:p14="http://schemas.microsoft.com/office/powerpoint/2010/main" val="827303617"/>
+        <p14:creationId xmlns:p14="http://schemas.microsoft.com/office/powerpoint/2010/main" xmlns="" val="827303617"/>
       </p:ext>
     </p:extLst>
   </p:cSld>
@@ -1716,6 +1726,7 @@
           <a:p>
             <a:fld id="{83939CE7-A0A9-48A5-99FE-281A2F8BF871}" type="slidenum">
               <a:rPr lang="en-US" smtClean="0"/>
+              <a:pPr/>
               <a:t>4</a:t>
             </a:fld>
             <a:endParaRPr lang="en-US"/>
@@ -1725,7 +1736,7 @@
     </p:spTree>
     <p:extLst>
       <p:ext uri="{BB962C8B-B14F-4D97-AF65-F5344CB8AC3E}">
-        <p14:creationId xmlns:p14="http://schemas.microsoft.com/office/powerpoint/2010/main" val="3063046100"/>
+        <p14:creationId xmlns:p14="http://schemas.microsoft.com/office/powerpoint/2010/main" xmlns="" val="3063046100"/>
       </p:ext>
     </p:extLst>
   </p:cSld>
@@ -1860,6 +1871,7 @@
           <a:p>
             <a:fld id="{83939CE7-A0A9-48A5-99FE-281A2F8BF871}" type="slidenum">
               <a:rPr lang="en-US" smtClean="0"/>
+              <a:pPr/>
               <a:t>5</a:t>
             </a:fld>
             <a:endParaRPr lang="en-US"/>
@@ -1869,7 +1881,7 @@
     </p:spTree>
     <p:extLst>
       <p:ext uri="{BB962C8B-B14F-4D97-AF65-F5344CB8AC3E}">
-        <p14:creationId xmlns:p14="http://schemas.microsoft.com/office/powerpoint/2010/main" val="3063046100"/>
+        <p14:creationId xmlns:p14="http://schemas.microsoft.com/office/powerpoint/2010/main" xmlns="" val="3063046100"/>
       </p:ext>
     </p:extLst>
   </p:cSld>
@@ -2004,6 +2016,7 @@
           <a:p>
             <a:fld id="{83939CE7-A0A9-48A5-99FE-281A2F8BF871}" type="slidenum">
               <a:rPr lang="en-US" smtClean="0"/>
+              <a:pPr/>
               <a:t>6</a:t>
             </a:fld>
             <a:endParaRPr lang="en-US"/>
@@ -2013,7 +2026,7 @@
     </p:spTree>
     <p:extLst>
       <p:ext uri="{BB962C8B-B14F-4D97-AF65-F5344CB8AC3E}">
-        <p14:creationId xmlns:p14="http://schemas.microsoft.com/office/powerpoint/2010/main" val="3063046100"/>
+        <p14:creationId xmlns:p14="http://schemas.microsoft.com/office/powerpoint/2010/main" xmlns="" val="3063046100"/>
       </p:ext>
     </p:extLst>
   </p:cSld>
@@ -2148,6 +2161,7 @@
           <a:p>
             <a:fld id="{83939CE7-A0A9-48A5-99FE-281A2F8BF871}" type="slidenum">
               <a:rPr lang="en-US" smtClean="0"/>
+              <a:pPr/>
               <a:t>7</a:t>
             </a:fld>
             <a:endParaRPr lang="en-US"/>
@@ -2157,7 +2171,7 @@
     </p:spTree>
     <p:extLst>
       <p:ext uri="{BB962C8B-B14F-4D97-AF65-F5344CB8AC3E}">
-        <p14:creationId xmlns:p14="http://schemas.microsoft.com/office/powerpoint/2010/main" val="3063046100"/>
+        <p14:creationId xmlns:p14="http://schemas.microsoft.com/office/powerpoint/2010/main" xmlns="" val="3063046100"/>
       </p:ext>
     </p:extLst>
   </p:cSld>
@@ -2292,6 +2306,7 @@
           <a:p>
             <a:fld id="{83939CE7-A0A9-48A5-99FE-281A2F8BF871}" type="slidenum">
               <a:rPr lang="en-US" smtClean="0"/>
+              <a:pPr/>
               <a:t>8</a:t>
             </a:fld>
             <a:endParaRPr lang="en-US"/>
@@ -2301,7 +2316,7 @@
     </p:spTree>
     <p:extLst>
       <p:ext uri="{BB962C8B-B14F-4D97-AF65-F5344CB8AC3E}">
-        <p14:creationId xmlns:p14="http://schemas.microsoft.com/office/powerpoint/2010/main" val="3825549067"/>
+        <p14:creationId xmlns:p14="http://schemas.microsoft.com/office/powerpoint/2010/main" xmlns="" val="3825549067"/>
       </p:ext>
     </p:extLst>
   </p:cSld>
@@ -2436,6 +2451,7 @@
           <a:p>
             <a:fld id="{83939CE7-A0A9-48A5-99FE-281A2F8BF871}" type="slidenum">
               <a:rPr lang="en-US" smtClean="0"/>
+              <a:pPr/>
               <a:t>9</a:t>
             </a:fld>
             <a:endParaRPr lang="en-US"/>
@@ -2445,7 +2461,7 @@
     </p:spTree>
     <p:extLst>
       <p:ext uri="{BB962C8B-B14F-4D97-AF65-F5344CB8AC3E}">
-        <p14:creationId xmlns:p14="http://schemas.microsoft.com/office/powerpoint/2010/main" val="3063046100"/>
+        <p14:creationId xmlns:p14="http://schemas.microsoft.com/office/powerpoint/2010/main" xmlns="" val="3063046100"/>
       </p:ext>
     </p:extLst>
   </p:cSld>
@@ -2674,7 +2690,8 @@
           <a:p>
             <a:fld id="{49E9CDCF-F052-47BA-9A98-D2FDEEC9141D}" type="datetimeFigureOut">
               <a:rPr lang="en-US" smtClean="0"/>
-              <a:t>11/1/2019</a:t>
+              <a:pPr/>
+              <a:t>9/3/2020</a:t>
             </a:fld>
             <a:endParaRPr lang="en-US"/>
           </a:p>
@@ -2754,6 +2771,7 @@
           <a:p>
             <a:fld id="{EDCDE4A7-B861-4431-8C56-C02A77F9B522}" type="slidenum">
               <a:rPr lang="en-US" smtClean="0"/>
+              <a:pPr/>
               <a:t>‹#›</a:t>
             </a:fld>
             <a:endParaRPr lang="en-US"/>
@@ -2877,7 +2895,8 @@
           <a:p>
             <a:fld id="{49E9CDCF-F052-47BA-9A98-D2FDEEC9141D}" type="datetimeFigureOut">
               <a:rPr lang="en-US" smtClean="0"/>
-              <a:t>11/1/2019</a:t>
+              <a:pPr/>
+              <a:t>9/3/2020</a:t>
             </a:fld>
             <a:endParaRPr lang="en-US"/>
           </a:p>
@@ -2919,6 +2938,7 @@
           <a:p>
             <a:fld id="{EDCDE4A7-B861-4431-8C56-C02A77F9B522}" type="slidenum">
               <a:rPr lang="en-US" smtClean="0"/>
+              <a:pPr/>
               <a:t>‹#›</a:t>
             </a:fld>
             <a:endParaRPr lang="en-US"/>
@@ -3052,7 +3072,8 @@
           <a:p>
             <a:fld id="{49E9CDCF-F052-47BA-9A98-D2FDEEC9141D}" type="datetimeFigureOut">
               <a:rPr lang="en-US" smtClean="0"/>
-              <a:t>11/1/2019</a:t>
+              <a:pPr/>
+              <a:t>9/3/2020</a:t>
             </a:fld>
             <a:endParaRPr lang="en-US"/>
           </a:p>
@@ -3094,6 +3115,7 @@
           <a:p>
             <a:fld id="{EDCDE4A7-B861-4431-8C56-C02A77F9B522}" type="slidenum">
               <a:rPr lang="en-US" smtClean="0"/>
+              <a:pPr/>
               <a:t>‹#›</a:t>
             </a:fld>
             <a:endParaRPr lang="en-US"/>
@@ -3232,7 +3254,8 @@
           <a:p>
             <a:fld id="{49E9CDCF-F052-47BA-9A98-D2FDEEC9141D}" type="datetimeFigureOut">
               <a:rPr lang="en-US" smtClean="0"/>
-              <a:t>11/1/2019</a:t>
+              <a:pPr/>
+              <a:t>9/3/2020</a:t>
             </a:fld>
             <a:endParaRPr lang="en-US"/>
           </a:p>
@@ -3299,6 +3322,7 @@
           <a:p>
             <a:fld id="{EDCDE4A7-B861-4431-8C56-C02A77F9B522}" type="slidenum">
               <a:rPr lang="en-US" smtClean="0"/>
+              <a:pPr/>
               <a:t>‹#›</a:t>
             </a:fld>
             <a:endParaRPr lang="en-US"/>
@@ -3499,7 +3523,8 @@
           <a:p>
             <a:fld id="{49E9CDCF-F052-47BA-9A98-D2FDEEC9141D}" type="datetimeFigureOut">
               <a:rPr lang="en-US" smtClean="0"/>
-              <a:t>11/1/2019</a:t>
+              <a:pPr/>
+              <a:t>9/3/2020</a:t>
             </a:fld>
             <a:endParaRPr lang="en-US"/>
           </a:p>
@@ -3551,6 +3576,7 @@
           <a:p>
             <a:fld id="{EDCDE4A7-B861-4431-8C56-C02A77F9B522}" type="slidenum">
               <a:rPr lang="en-US" smtClean="0"/>
+              <a:pPr/>
               <a:t>‹#›</a:t>
             </a:fld>
             <a:endParaRPr lang="en-US"/>
@@ -3973,7 +3999,8 @@
           <a:p>
             <a:fld id="{49E9CDCF-F052-47BA-9A98-D2FDEEC9141D}" type="datetimeFigureOut">
               <a:rPr lang="en-US" smtClean="0"/>
-              <a:t>11/1/2019</a:t>
+              <a:pPr/>
+              <a:t>9/3/2020</a:t>
             </a:fld>
             <a:endParaRPr lang="en-US"/>
           </a:p>
@@ -4025,6 +4052,7 @@
           <a:p>
             <a:fld id="{EDCDE4A7-B861-4431-8C56-C02A77F9B522}" type="slidenum">
               <a:rPr lang="en-US" smtClean="0"/>
+              <a:pPr/>
               <a:t>‹#›</a:t>
             </a:fld>
             <a:endParaRPr lang="en-US"/>
@@ -4388,7 +4416,8 @@
           <a:p>
             <a:fld id="{49E9CDCF-F052-47BA-9A98-D2FDEEC9141D}" type="datetimeFigureOut">
               <a:rPr lang="en-US" smtClean="0"/>
-              <a:t>11/1/2019</a:t>
+              <a:pPr/>
+              <a:t>9/3/2020</a:t>
             </a:fld>
             <a:endParaRPr lang="en-US"/>
           </a:p>
@@ -4444,6 +4473,7 @@
           <a:p>
             <a:fld id="{EDCDE4A7-B861-4431-8C56-C02A77F9B522}" type="slidenum">
               <a:rPr lang="en-US" smtClean="0"/>
+              <a:pPr/>
               <a:t>‹#›</a:t>
             </a:fld>
             <a:endParaRPr lang="en-US"/>
@@ -4519,7 +4549,8 @@
           <a:p>
             <a:fld id="{49E9CDCF-F052-47BA-9A98-D2FDEEC9141D}" type="datetimeFigureOut">
               <a:rPr lang="en-US" smtClean="0"/>
-              <a:t>11/1/2019</a:t>
+              <a:pPr/>
+              <a:t>9/3/2020</a:t>
             </a:fld>
             <a:endParaRPr lang="en-US"/>
           </a:p>
@@ -4561,6 +4592,7 @@
           <a:p>
             <a:fld id="{EDCDE4A7-B861-4431-8C56-C02A77F9B522}" type="slidenum">
               <a:rPr lang="en-US" smtClean="0"/>
+              <a:pPr/>
               <a:t>‹#›</a:t>
             </a:fld>
             <a:endParaRPr lang="en-US"/>
@@ -4614,7 +4646,8 @@
           <a:p>
             <a:fld id="{49E9CDCF-F052-47BA-9A98-D2FDEEC9141D}" type="datetimeFigureOut">
               <a:rPr lang="en-US" smtClean="0"/>
-              <a:t>11/1/2019</a:t>
+              <a:pPr/>
+              <a:t>9/3/2020</a:t>
             </a:fld>
             <a:endParaRPr lang="en-US"/>
           </a:p>
@@ -4666,6 +4699,7 @@
           <a:p>
             <a:fld id="{EDCDE4A7-B861-4431-8C56-C02A77F9B522}" type="slidenum">
               <a:rPr lang="en-US" smtClean="0"/>
+              <a:pPr/>
               <a:t>‹#›</a:t>
             </a:fld>
             <a:endParaRPr lang="en-US"/>
@@ -4892,7 +4926,8 @@
           <a:p>
             <a:fld id="{49E9CDCF-F052-47BA-9A98-D2FDEEC9141D}" type="datetimeFigureOut">
               <a:rPr lang="en-US" smtClean="0"/>
-              <a:t>11/1/2019</a:t>
+              <a:pPr/>
+              <a:t>9/3/2020</a:t>
             </a:fld>
             <a:endParaRPr lang="en-US"/>
           </a:p>
@@ -4952,6 +4987,7 @@
           <a:p>
             <a:fld id="{EDCDE4A7-B861-4431-8C56-C02A77F9B522}" type="slidenum">
               <a:rPr lang="en-US" smtClean="0"/>
+              <a:pPr/>
               <a:t>‹#›</a:t>
             </a:fld>
             <a:endParaRPr lang="en-US"/>
@@ -5144,7 +5180,8 @@
           <a:p>
             <a:fld id="{49E9CDCF-F052-47BA-9A98-D2FDEEC9141D}" type="datetimeFigureOut">
               <a:rPr lang="en-US" smtClean="0"/>
-              <a:t>11/1/2019</a:t>
+              <a:pPr/>
+              <a:t>9/3/2020</a:t>
             </a:fld>
             <a:endParaRPr lang="en-US"/>
           </a:p>
@@ -5204,6 +5241,7 @@
           <a:p>
             <a:fld id="{EDCDE4A7-B861-4431-8C56-C02A77F9B522}" type="slidenum">
               <a:rPr lang="en-US" smtClean="0"/>
+              <a:pPr/>
               <a:t>‹#›</a:t>
             </a:fld>
             <a:endParaRPr lang="en-US"/>
@@ -5516,7 +5554,8 @@
           <a:p>
             <a:fld id="{49E9CDCF-F052-47BA-9A98-D2FDEEC9141D}" type="datetimeFigureOut">
               <a:rPr lang="en-US" smtClean="0"/>
-              <a:t>11/1/2019</a:t>
+              <a:pPr/>
+              <a:t>9/3/2020</a:t>
             </a:fld>
             <a:endParaRPr lang="en-US"/>
           </a:p>
@@ -5590,6 +5629,7 @@
           <a:p>
             <a:fld id="{EDCDE4A7-B861-4431-8C56-C02A77F9B522}" type="slidenum">
               <a:rPr lang="en-US" smtClean="0"/>
+              <a:pPr/>
               <a:t>‹#›</a:t>
             </a:fld>
             <a:endParaRPr lang="en-US"/>
@@ -5993,15 +6033,23 @@
                   <a:schemeClr val="tx1"/>
                 </a:solidFill>
               </a:rPr>
-              <a:t>By Tulay </a:t>
-            </a:r>
-            <a:r>
-              <a:rPr lang="en-US" sz="2400" b="1" dirty="0">
+              <a:t>By </a:t>
+            </a:r>
+            <a:r>
+              <a:rPr lang="en-US" sz="2400" b="1" dirty="0" err="1" smtClean="0">
                 <a:solidFill>
                   <a:schemeClr val="tx1"/>
                 </a:solidFill>
               </a:rPr>
-              <a:t>Caglayan</a:t>
+              <a:t>Sweety</a:t>
+            </a:r>
+            <a:r>
+              <a:rPr lang="en-US" sz="2400" b="1" dirty="0" smtClean="0">
+                <a:solidFill>
+                  <a:schemeClr val="tx1"/>
+                </a:solidFill>
+              </a:rPr>
+              <a:t> Singh</a:t>
             </a:r>
             <a:endParaRPr lang="en-US" sz="2400" dirty="0">
               <a:solidFill>
@@ -6016,7 +6064,7 @@
                   <a:schemeClr val="tx1"/>
                 </a:solidFill>
               </a:rPr>
-              <a:t>October 2019</a:t>
+              <a:t>September 2020</a:t>
             </a:r>
             <a:endParaRPr lang="en-US" sz="2400" dirty="0">
               <a:solidFill>
@@ -6059,7 +6107,7 @@
     </p:spTree>
     <p:extLst>
       <p:ext uri="{BB962C8B-B14F-4D97-AF65-F5344CB8AC3E}">
-        <p14:creationId xmlns:p14="http://schemas.microsoft.com/office/powerpoint/2010/main" val="2504899375"/>
+        <p14:creationId xmlns:p14="http://schemas.microsoft.com/office/powerpoint/2010/main" xmlns="" val="2504899375"/>
       </p:ext>
     </p:extLst>
   </p:cSld>
@@ -6240,7 +6288,7 @@
     </p:spTree>
     <p:extLst>
       <p:ext uri="{BB962C8B-B14F-4D97-AF65-F5344CB8AC3E}">
-        <p14:creationId xmlns:p14="http://schemas.microsoft.com/office/powerpoint/2010/main" val="1627082452"/>
+        <p14:creationId xmlns:p14="http://schemas.microsoft.com/office/powerpoint/2010/main" xmlns="" val="1627082452"/>
       </p:ext>
     </p:extLst>
   </p:cSld>
@@ -6461,10 +6509,10 @@
           <p:nvPr/>
         </p:nvPicPr>
         <p:blipFill>
-          <a:blip r:embed="rId4">
+          <a:blip r:embed="rId4" cstate="print">
             <a:extLst>
               <a:ext uri="{28A0092B-C50C-407E-A947-70E740481C1C}">
-                <a14:useLocalDpi xmlns:a14="http://schemas.microsoft.com/office/drawing/2010/main" val="0"/>
+                <a14:useLocalDpi xmlns:a14="http://schemas.microsoft.com/office/drawing/2010/main" xmlns="" val="0"/>
               </a:ext>
             </a:extLst>
           </a:blip>
@@ -6487,14 +6535,14 @@
           </a:ln>
           <a:extLst>
             <a:ext uri="{909E8E84-426E-40DD-AFC4-6F175D3DCCD1}">
-              <a14:hiddenFill xmlns:a14="http://schemas.microsoft.com/office/drawing/2010/main">
+              <a14:hiddenFill xmlns:a14="http://schemas.microsoft.com/office/drawing/2010/main" xmlns="">
                 <a:solidFill>
                   <a:schemeClr val="accent1"/>
                 </a:solidFill>
               </a14:hiddenFill>
             </a:ext>
             <a:ext uri="{91240B29-F687-4F45-9708-019B960494DF}">
-              <a14:hiddenLine xmlns:a14="http://schemas.microsoft.com/office/drawing/2010/main" w="9525">
+              <a14:hiddenLine xmlns:a14="http://schemas.microsoft.com/office/drawing/2010/main" xmlns="" w="9525">
                 <a:solidFill>
                   <a:schemeClr val="tx1"/>
                 </a:solidFill>
@@ -6515,10 +6563,10 @@
           <p:nvPr/>
         </p:nvPicPr>
         <p:blipFill>
-          <a:blip r:embed="rId5">
+          <a:blip r:embed="rId5" cstate="print">
             <a:extLst>
               <a:ext uri="{28A0092B-C50C-407E-A947-70E740481C1C}">
-                <a14:useLocalDpi xmlns:a14="http://schemas.microsoft.com/office/drawing/2010/main" val="0"/>
+                <a14:useLocalDpi xmlns:a14="http://schemas.microsoft.com/office/drawing/2010/main" xmlns="" val="0"/>
               </a:ext>
             </a:extLst>
           </a:blip>
@@ -6541,14 +6589,14 @@
           </a:ln>
           <a:extLst>
             <a:ext uri="{909E8E84-426E-40DD-AFC4-6F175D3DCCD1}">
-              <a14:hiddenFill xmlns:a14="http://schemas.microsoft.com/office/drawing/2010/main">
+              <a14:hiddenFill xmlns:a14="http://schemas.microsoft.com/office/drawing/2010/main" xmlns="">
                 <a:solidFill>
                   <a:schemeClr val="accent1"/>
                 </a:solidFill>
               </a14:hiddenFill>
             </a:ext>
             <a:ext uri="{91240B29-F687-4F45-9708-019B960494DF}">
-              <a14:hiddenLine xmlns:a14="http://schemas.microsoft.com/office/drawing/2010/main" w="9525">
+              <a14:hiddenLine xmlns:a14="http://schemas.microsoft.com/office/drawing/2010/main" xmlns="" w="9525">
                 <a:solidFill>
                   <a:schemeClr val="tx1"/>
                 </a:solidFill>
@@ -6593,7 +6641,7 @@
     </p:spTree>
     <p:extLst>
       <p:ext uri="{BB962C8B-B14F-4D97-AF65-F5344CB8AC3E}">
-        <p14:creationId xmlns:p14="http://schemas.microsoft.com/office/powerpoint/2010/main" val="3311914263"/>
+        <p14:creationId xmlns:p14="http://schemas.microsoft.com/office/powerpoint/2010/main" xmlns="" val="3311914263"/>
       </p:ext>
     </p:extLst>
   </p:cSld>
@@ -6685,10 +6733,10 @@
           <p:nvPr/>
         </p:nvPicPr>
         <p:blipFill>
-          <a:blip r:embed="rId4">
+          <a:blip r:embed="rId4" cstate="print">
             <a:extLst>
               <a:ext uri="{28A0092B-C50C-407E-A947-70E740481C1C}">
-                <a14:useLocalDpi xmlns:a14="http://schemas.microsoft.com/office/drawing/2010/main" val="0"/>
+                <a14:useLocalDpi xmlns:a14="http://schemas.microsoft.com/office/drawing/2010/main" xmlns="" val="0"/>
               </a:ext>
             </a:extLst>
           </a:blip>
@@ -6711,14 +6759,14 @@
           </a:ln>
           <a:extLst>
             <a:ext uri="{909E8E84-426E-40DD-AFC4-6F175D3DCCD1}">
-              <a14:hiddenFill xmlns:a14="http://schemas.microsoft.com/office/drawing/2010/main">
+              <a14:hiddenFill xmlns:a14="http://schemas.microsoft.com/office/drawing/2010/main" xmlns="">
                 <a:solidFill>
                   <a:schemeClr val="accent1"/>
                 </a:solidFill>
               </a14:hiddenFill>
             </a:ext>
             <a:ext uri="{91240B29-F687-4F45-9708-019B960494DF}">
-              <a14:hiddenLine xmlns:a14="http://schemas.microsoft.com/office/drawing/2010/main" w="9525">
+              <a14:hiddenLine xmlns:a14="http://schemas.microsoft.com/office/drawing/2010/main" xmlns="" w="9525">
                 <a:solidFill>
                   <a:schemeClr val="tx1"/>
                 </a:solidFill>
@@ -6763,7 +6811,7 @@
     </p:spTree>
     <p:extLst>
       <p:ext uri="{BB962C8B-B14F-4D97-AF65-F5344CB8AC3E}">
-        <p14:creationId xmlns:p14="http://schemas.microsoft.com/office/powerpoint/2010/main" val="3156662275"/>
+        <p14:creationId xmlns:p14="http://schemas.microsoft.com/office/powerpoint/2010/main" xmlns="" val="3156662275"/>
       </p:ext>
     </p:extLst>
   </p:cSld>
@@ -6935,10 +6983,10 @@
           <p:nvPr/>
         </p:nvPicPr>
         <p:blipFill>
-          <a:blip r:embed="rId4">
+          <a:blip r:embed="rId4" cstate="print">
             <a:extLst>
               <a:ext uri="{28A0092B-C50C-407E-A947-70E740481C1C}">
-                <a14:useLocalDpi xmlns:a14="http://schemas.microsoft.com/office/drawing/2010/main" val="0"/>
+                <a14:useLocalDpi xmlns:a14="http://schemas.microsoft.com/office/drawing/2010/main" xmlns="" val="0"/>
               </a:ext>
             </a:extLst>
           </a:blip>
@@ -6961,14 +7009,14 @@
           </a:ln>
           <a:extLst>
             <a:ext uri="{909E8E84-426E-40DD-AFC4-6F175D3DCCD1}">
-              <a14:hiddenFill xmlns:a14="http://schemas.microsoft.com/office/drawing/2010/main">
+              <a14:hiddenFill xmlns:a14="http://schemas.microsoft.com/office/drawing/2010/main" xmlns="">
                 <a:solidFill>
                   <a:schemeClr val="accent1"/>
                 </a:solidFill>
               </a14:hiddenFill>
             </a:ext>
             <a:ext uri="{91240B29-F687-4F45-9708-019B960494DF}">
-              <a14:hiddenLine xmlns:a14="http://schemas.microsoft.com/office/drawing/2010/main" w="9525">
+              <a14:hiddenLine xmlns:a14="http://schemas.microsoft.com/office/drawing/2010/main" xmlns="" w="9525">
                 <a:solidFill>
                   <a:schemeClr val="tx1"/>
                 </a:solidFill>
@@ -7013,7 +7061,7 @@
     </p:spTree>
     <p:extLst>
       <p:ext uri="{BB962C8B-B14F-4D97-AF65-F5344CB8AC3E}">
-        <p14:creationId xmlns:p14="http://schemas.microsoft.com/office/powerpoint/2010/main" val="2796779135"/>
+        <p14:creationId xmlns:p14="http://schemas.microsoft.com/office/powerpoint/2010/main" xmlns="" val="2796779135"/>
       </p:ext>
     </p:extLst>
   </p:cSld>
@@ -7232,7 +7280,7 @@
     </p:spTree>
     <p:extLst>
       <p:ext uri="{BB962C8B-B14F-4D97-AF65-F5344CB8AC3E}">
-        <p14:creationId xmlns:p14="http://schemas.microsoft.com/office/powerpoint/2010/main" val="2217617338"/>
+        <p14:creationId xmlns:p14="http://schemas.microsoft.com/office/powerpoint/2010/main" xmlns="" val="2217617338"/>
       </p:ext>
     </p:extLst>
   </p:cSld>
@@ -7338,7 +7386,7 @@
           <p:nvPr/>
         </p:nvPicPr>
         <p:blipFill>
-          <a:blip r:embed="rId4"/>
+          <a:blip r:embed="rId4" cstate="print"/>
           <a:stretch>
             <a:fillRect/>
           </a:stretch>
@@ -7362,10 +7410,10 @@
           <p:nvPr/>
         </p:nvPicPr>
         <p:blipFill>
-          <a:blip r:embed="rId5">
+          <a:blip r:embed="rId5" cstate="print">
             <a:extLst>
               <a:ext uri="{28A0092B-C50C-407E-A947-70E740481C1C}">
-                <a14:useLocalDpi xmlns:a14="http://schemas.microsoft.com/office/drawing/2010/main" val="0"/>
+                <a14:useLocalDpi xmlns:a14="http://schemas.microsoft.com/office/drawing/2010/main" xmlns="" val="0"/>
               </a:ext>
             </a:extLst>
           </a:blip>
@@ -7388,14 +7436,14 @@
           </a:ln>
           <a:extLst>
             <a:ext uri="{909E8E84-426E-40DD-AFC4-6F175D3DCCD1}">
-              <a14:hiddenFill xmlns:a14="http://schemas.microsoft.com/office/drawing/2010/main">
+              <a14:hiddenFill xmlns:a14="http://schemas.microsoft.com/office/drawing/2010/main" xmlns="">
                 <a:solidFill>
                   <a:schemeClr val="accent1"/>
                 </a:solidFill>
               </a14:hiddenFill>
             </a:ext>
             <a:ext uri="{91240B29-F687-4F45-9708-019B960494DF}">
-              <a14:hiddenLine xmlns:a14="http://schemas.microsoft.com/office/drawing/2010/main" w="9525">
+              <a14:hiddenLine xmlns:a14="http://schemas.microsoft.com/office/drawing/2010/main" xmlns="" w="9525">
                 <a:solidFill>
                   <a:schemeClr val="tx1"/>
                 </a:solidFill>
@@ -7440,7 +7488,7 @@
     </p:spTree>
     <p:extLst>
       <p:ext uri="{BB962C8B-B14F-4D97-AF65-F5344CB8AC3E}">
-        <p14:creationId xmlns:p14="http://schemas.microsoft.com/office/powerpoint/2010/main" val="20861047"/>
+        <p14:creationId xmlns:p14="http://schemas.microsoft.com/office/powerpoint/2010/main" xmlns="" val="20861047"/>
       </p:ext>
     </p:extLst>
   </p:cSld>
@@ -7579,7 +7627,7 @@
           <p:nvPr/>
         </p:nvPicPr>
         <p:blipFill>
-          <a:blip r:embed="rId4"/>
+          <a:blip r:embed="rId4" cstate="print"/>
           <a:stretch>
             <a:fillRect/>
           </a:stretch>
@@ -7603,10 +7651,10 @@
           <p:nvPr/>
         </p:nvPicPr>
         <p:blipFill>
-          <a:blip r:embed="rId5">
+          <a:blip r:embed="rId5" cstate="print">
             <a:extLst>
               <a:ext uri="{28A0092B-C50C-407E-A947-70E740481C1C}">
-                <a14:useLocalDpi xmlns:a14="http://schemas.microsoft.com/office/drawing/2010/main" val="0"/>
+                <a14:useLocalDpi xmlns:a14="http://schemas.microsoft.com/office/drawing/2010/main" xmlns="" val="0"/>
               </a:ext>
             </a:extLst>
           </a:blip>
@@ -7629,14 +7677,14 @@
           </a:ln>
           <a:extLst>
             <a:ext uri="{909E8E84-426E-40DD-AFC4-6F175D3DCCD1}">
-              <a14:hiddenFill xmlns:a14="http://schemas.microsoft.com/office/drawing/2010/main">
+              <a14:hiddenFill xmlns:a14="http://schemas.microsoft.com/office/drawing/2010/main" xmlns="">
                 <a:solidFill>
                   <a:schemeClr val="accent1"/>
                 </a:solidFill>
               </a14:hiddenFill>
             </a:ext>
             <a:ext uri="{91240B29-F687-4F45-9708-019B960494DF}">
-              <a14:hiddenLine xmlns:a14="http://schemas.microsoft.com/office/drawing/2010/main" w="9525">
+              <a14:hiddenLine xmlns:a14="http://schemas.microsoft.com/office/drawing/2010/main" xmlns="" w="9525">
                 <a:solidFill>
                   <a:schemeClr val="tx1"/>
                 </a:solidFill>
@@ -7681,7 +7729,7 @@
     </p:spTree>
     <p:extLst>
       <p:ext uri="{BB962C8B-B14F-4D97-AF65-F5344CB8AC3E}">
-        <p14:creationId xmlns:p14="http://schemas.microsoft.com/office/powerpoint/2010/main" val="3660900608"/>
+        <p14:creationId xmlns:p14="http://schemas.microsoft.com/office/powerpoint/2010/main" xmlns="" val="3660900608"/>
       </p:ext>
     </p:extLst>
   </p:cSld>
@@ -7859,10 +7907,10 @@
           <p:nvPr/>
         </p:nvPicPr>
         <p:blipFill>
-          <a:blip r:embed="rId4">
+          <a:blip r:embed="rId4" cstate="print">
             <a:extLst>
               <a:ext uri="{28A0092B-C50C-407E-A947-70E740481C1C}">
-                <a14:useLocalDpi xmlns:a14="http://schemas.microsoft.com/office/drawing/2010/main" val="0"/>
+                <a14:useLocalDpi xmlns:a14="http://schemas.microsoft.com/office/drawing/2010/main" xmlns="" val="0"/>
               </a:ext>
             </a:extLst>
           </a:blip>
@@ -7885,14 +7933,14 @@
           </a:ln>
           <a:extLst>
             <a:ext uri="{909E8E84-426E-40DD-AFC4-6F175D3DCCD1}">
-              <a14:hiddenFill xmlns:a14="http://schemas.microsoft.com/office/drawing/2010/main">
+              <a14:hiddenFill xmlns:a14="http://schemas.microsoft.com/office/drawing/2010/main" xmlns="">
                 <a:solidFill>
                   <a:schemeClr val="accent1"/>
                 </a:solidFill>
               </a14:hiddenFill>
             </a:ext>
             <a:ext uri="{91240B29-F687-4F45-9708-019B960494DF}">
-              <a14:hiddenLine xmlns:a14="http://schemas.microsoft.com/office/drawing/2010/main" w="9525">
+              <a14:hiddenLine xmlns:a14="http://schemas.microsoft.com/office/drawing/2010/main" xmlns="" w="9525">
                 <a:solidFill>
                   <a:schemeClr val="tx1"/>
                 </a:solidFill>
@@ -7913,10 +7961,10 @@
           <p:nvPr/>
         </p:nvPicPr>
         <p:blipFill>
-          <a:blip r:embed="rId5">
+          <a:blip r:embed="rId5" cstate="print">
             <a:extLst>
               <a:ext uri="{28A0092B-C50C-407E-A947-70E740481C1C}">
-                <a14:useLocalDpi xmlns:a14="http://schemas.microsoft.com/office/drawing/2010/main" val="0"/>
+                <a14:useLocalDpi xmlns:a14="http://schemas.microsoft.com/office/drawing/2010/main" xmlns="" val="0"/>
               </a:ext>
             </a:extLst>
           </a:blip>
@@ -7939,14 +7987,14 @@
           </a:ln>
           <a:extLst>
             <a:ext uri="{909E8E84-426E-40DD-AFC4-6F175D3DCCD1}">
-              <a14:hiddenFill xmlns:a14="http://schemas.microsoft.com/office/drawing/2010/main">
+              <a14:hiddenFill xmlns:a14="http://schemas.microsoft.com/office/drawing/2010/main" xmlns="">
                 <a:solidFill>
                   <a:schemeClr val="accent1"/>
                 </a:solidFill>
               </a14:hiddenFill>
             </a:ext>
             <a:ext uri="{91240B29-F687-4F45-9708-019B960494DF}">
-              <a14:hiddenLine xmlns:a14="http://schemas.microsoft.com/office/drawing/2010/main" w="9525">
+              <a14:hiddenLine xmlns:a14="http://schemas.microsoft.com/office/drawing/2010/main" xmlns="" w="9525">
                 <a:solidFill>
                   <a:schemeClr val="tx1"/>
                 </a:solidFill>
@@ -7967,10 +8015,10 @@
           <p:nvPr/>
         </p:nvPicPr>
         <p:blipFill>
-          <a:blip r:embed="rId6">
+          <a:blip r:embed="rId6" cstate="print">
             <a:extLst>
               <a:ext uri="{28A0092B-C50C-407E-A947-70E740481C1C}">
-                <a14:useLocalDpi xmlns:a14="http://schemas.microsoft.com/office/drawing/2010/main" val="0"/>
+                <a14:useLocalDpi xmlns:a14="http://schemas.microsoft.com/office/drawing/2010/main" xmlns="" val="0"/>
               </a:ext>
             </a:extLst>
           </a:blip>
@@ -7993,14 +8041,14 @@
           </a:ln>
           <a:extLst>
             <a:ext uri="{909E8E84-426E-40DD-AFC4-6F175D3DCCD1}">
-              <a14:hiddenFill xmlns:a14="http://schemas.microsoft.com/office/drawing/2010/main">
+              <a14:hiddenFill xmlns:a14="http://schemas.microsoft.com/office/drawing/2010/main" xmlns="">
                 <a:solidFill>
                   <a:schemeClr val="accent1"/>
                 </a:solidFill>
               </a14:hiddenFill>
             </a:ext>
             <a:ext uri="{91240B29-F687-4F45-9708-019B960494DF}">
-              <a14:hiddenLine xmlns:a14="http://schemas.microsoft.com/office/drawing/2010/main" w="9525">
+              <a14:hiddenLine xmlns:a14="http://schemas.microsoft.com/office/drawing/2010/main" xmlns="" w="9525">
                 <a:solidFill>
                   <a:schemeClr val="tx1"/>
                 </a:solidFill>
@@ -8045,7 +8093,7 @@
     </p:spTree>
     <p:extLst>
       <p:ext uri="{BB962C8B-B14F-4D97-AF65-F5344CB8AC3E}">
-        <p14:creationId xmlns:p14="http://schemas.microsoft.com/office/powerpoint/2010/main" val="4270148475"/>
+        <p14:creationId xmlns:p14="http://schemas.microsoft.com/office/powerpoint/2010/main" xmlns="" val="4270148475"/>
       </p:ext>
     </p:extLst>
   </p:cSld>
@@ -8148,10 +8196,10 @@
           <p:nvPr/>
         </p:nvPicPr>
         <p:blipFill>
-          <a:blip r:embed="rId4">
+          <a:blip r:embed="rId4" cstate="print">
             <a:extLst>
               <a:ext uri="{28A0092B-C50C-407E-A947-70E740481C1C}">
-                <a14:useLocalDpi xmlns:a14="http://schemas.microsoft.com/office/drawing/2010/main" val="0"/>
+                <a14:useLocalDpi xmlns:a14="http://schemas.microsoft.com/office/drawing/2010/main" xmlns="" val="0"/>
               </a:ext>
             </a:extLst>
           </a:blip>
@@ -8174,14 +8222,14 @@
           </a:ln>
           <a:extLst>
             <a:ext uri="{909E8E84-426E-40DD-AFC4-6F175D3DCCD1}">
-              <a14:hiddenFill xmlns:a14="http://schemas.microsoft.com/office/drawing/2010/main">
+              <a14:hiddenFill xmlns:a14="http://schemas.microsoft.com/office/drawing/2010/main" xmlns="">
                 <a:solidFill>
                   <a:schemeClr val="accent1"/>
                 </a:solidFill>
               </a14:hiddenFill>
             </a:ext>
             <a:ext uri="{91240B29-F687-4F45-9708-019B960494DF}">
-              <a14:hiddenLine xmlns:a14="http://schemas.microsoft.com/office/drawing/2010/main" w="9525">
+              <a14:hiddenLine xmlns:a14="http://schemas.microsoft.com/office/drawing/2010/main" xmlns="" w="9525">
                 <a:solidFill>
                   <a:schemeClr val="tx1"/>
                 </a:solidFill>
@@ -8226,7 +8274,7 @@
     </p:spTree>
     <p:extLst>
       <p:ext uri="{BB962C8B-B14F-4D97-AF65-F5344CB8AC3E}">
-        <p14:creationId xmlns:p14="http://schemas.microsoft.com/office/powerpoint/2010/main" val="3105908971"/>
+        <p14:creationId xmlns:p14="http://schemas.microsoft.com/office/powerpoint/2010/main" xmlns="" val="3105908971"/>
       </p:ext>
     </p:extLst>
   </p:cSld>
@@ -8409,7 +8457,7 @@
           <p:nvPr/>
         </p:nvPicPr>
         <p:blipFill>
-          <a:blip r:embed="rId4"/>
+          <a:blip r:embed="rId4" cstate="print"/>
           <a:stretch>
             <a:fillRect/>
           </a:stretch>
@@ -8431,7 +8479,7 @@
           <p:nvPr/>
         </p:nvPicPr>
         <p:blipFill>
-          <a:blip r:embed="rId5"/>
+          <a:blip r:embed="rId5" cstate="print"/>
           <a:stretch>
             <a:fillRect/>
           </a:stretch>
@@ -8479,7 +8527,7 @@
     </p:spTree>
     <p:extLst>
       <p:ext uri="{BB962C8B-B14F-4D97-AF65-F5344CB8AC3E}">
-        <p14:creationId xmlns:p14="http://schemas.microsoft.com/office/powerpoint/2010/main" val="650166863"/>
+        <p14:creationId xmlns:p14="http://schemas.microsoft.com/office/powerpoint/2010/main" xmlns="" val="650166863"/>
       </p:ext>
     </p:extLst>
   </p:cSld>
@@ -8776,7 +8824,7 @@
     </p:spTree>
     <p:extLst>
       <p:ext uri="{BB962C8B-B14F-4D97-AF65-F5344CB8AC3E}">
-        <p14:creationId xmlns:p14="http://schemas.microsoft.com/office/powerpoint/2010/main" val="13252824"/>
+        <p14:creationId xmlns:p14="http://schemas.microsoft.com/office/powerpoint/2010/main" xmlns="" val="13252824"/>
       </p:ext>
     </p:extLst>
   </p:cSld>
@@ -9977,31 +10025,31 @@
 </file>
 
 <file path=customXml/item1.xml><?xml version="1.0" encoding="utf-8"?>
+<sisl xmlns:xsd="http://www.w3.org/2001/XMLSchema" xmlns:xsi="http://www.w3.org/2001/XMLSchema-instance" xmlns="http://www.boldonjames.com/2008/01/sie/internal/label" sislVersion="0" policy="0f5f6fd6-c367-489b-838a-644eeab267b2" origin="defaultValue">
+  <element uid="id_classification_nonbusiness" value=""/>
+</sisl>
+</file>
+
+<file path=customXml/item2.xml><?xml version="1.0" encoding="utf-8"?>
 <WrappedLabelHistory xmlns:xsd="http://www.w3.org/2001/XMLSchema" xmlns:xsi="http://www.w3.org/2001/XMLSchema-instance" xmlns="http://www.boldonjames.com/2016/02/Classifier/internal/wrappedLabelHistory">
   <Value>PD94bWwgdmVyc2lvbj0iMS4wIiBlbmNvZGluZz0idXMtYXNjaWkiPz48bGFiZWxIaXN0b3J5IHhtbG5zOnhzZD0iaHR0cDovL3d3dy53My5vcmcvMjAwMS9YTUxTY2hlbWEiIHhtbG5zOnhzaT0iaHR0cDovL3d3dy53My5vcmcvMjAwMS9YTUxTY2hlbWEtaW5zdGFuY2UiIHhtbG5zPSJodHRwOi8vd3d3LmJvbGRvbmphbWVzLmNvbS8yMDE2LzAyL0NsYXNzaWZpZXIvaW50ZXJuYWwvbGFiZWxIaXN0b3J5Ij48aXRlbT48c2lzbCBzaXNsVmVyc2lvbj0iMCIgcG9saWN5PSIwZjVmNmZkNi1jMzY3LTQ4OWItODM4YS02NDRlZWFiMjY3YjIiIG9yaWdpbj0iZGVmYXVsdFZhbHVlIj48ZWxlbWVudCB1aWQ9ImlkX2NsYXNzaWZpY2F0aW9uX25vbmJ1c2luZXNzIiB2YWx1ZT0iIiB4bWxucz0iaHR0cDovL3d3dy5ib2xkb25qYW1lcy5jb20vMjAwOC8wMS9zaWUvaW50ZXJuYWwvbGFiZWwiIC8+PC9zaXNsPjxVc2VyTmFtZT5JTlRcdHVsYXkuY2FnbGF5YW48L1VzZXJOYW1lPjxEYXRlVGltZT4xMC8yNC8yMDE5IDg6Mzk6MDggQU08L0RhdGVUaW1lPjxMYWJlbFN0cmluZz5JbnRlcm5hbDwvTGFiZWxTdHJpbmc+PC9pdGVtPjwvbGFiZWxIaXN0b3J5Pg==</Value>
 </WrappedLabelHistory>
 </file>
 
-<file path=customXml/item2.xml><?xml version="1.0" encoding="utf-8"?>
-<sisl xmlns:xsd="http://www.w3.org/2001/XMLSchema" xmlns:xsi="http://www.w3.org/2001/XMLSchema-instance" xmlns="http://www.boldonjames.com/2008/01/sie/internal/label" sislVersion="0" policy="0f5f6fd6-c367-489b-838a-644eeab267b2" origin="defaultValue">
-  <element uid="id_classification_nonbusiness" value=""/>
-</sisl>
+<file path=customXml/itemProps1.xml><?xml version="1.0" encoding="utf-8"?>
+<ds:datastoreItem xmlns:ds="http://schemas.openxmlformats.org/officeDocument/2006/customXml" ds:itemID="{BFBF32A5-91FB-493D-81A9-A43CB7E20C76}">
+  <ds:schemaRefs>
+    <ds:schemaRef ds:uri="http://www.w3.org/2001/XMLSchema"/>
+    <ds:schemaRef ds:uri="http://www.boldonjames.com/2008/01/sie/internal/label"/>
+  </ds:schemaRefs>
+</ds:datastoreItem>
 </file>
 
-<file path=customXml/itemProps1.xml><?xml version="1.0" encoding="utf-8"?>
+<file path=customXml/itemProps2.xml><?xml version="1.0" encoding="utf-8"?>
 <ds:datastoreItem xmlns:ds="http://schemas.openxmlformats.org/officeDocument/2006/customXml" ds:itemID="{FB015A76-2FAD-4653-AF21-E0D9161A2C77}">
   <ds:schemaRefs>
     <ds:schemaRef ds:uri="http://www.w3.org/2001/XMLSchema"/>
     <ds:schemaRef ds:uri="http://www.boldonjames.com/2016/02/Classifier/internal/wrappedLabelHistory"/>
   </ds:schemaRefs>
 </ds:datastoreItem>
-</file>
-
-<file path=customXml/itemProps2.xml><?xml version="1.0" encoding="utf-8"?>
-<ds:datastoreItem xmlns:ds="http://schemas.openxmlformats.org/officeDocument/2006/customXml" ds:itemID="{BFBF32A5-91FB-493D-81A9-A43CB7E20C76}">
-  <ds:schemaRefs>
-    <ds:schemaRef ds:uri="http://www.w3.org/2001/XMLSchema"/>
-    <ds:schemaRef ds:uri="http://www.boldonjames.com/2008/01/sie/internal/label"/>
-  </ds:schemaRefs>
-</ds:datastoreItem>
 </file>